--- a/Solar_Energy_Analysis_for Some Locations in Libya.pptx
+++ b/Solar_Energy_Analysis_for Some Locations in Libya.pptx
@@ -4657,7 +4657,7 @@
           <a:p>
             <a:fld id="{CA543562-D6DA-4F27-BC22-6D6509F6FC14}" type="datetimeFigureOut">
               <a:rPr lang="en-US" smtClean="0"/>
-              <a:t>7/19/2021</a:t>
+              <a:t>7/22/2021</a:t>
             </a:fld>
             <a:endParaRPr lang="en-US"/>
           </a:p>
@@ -7925,7 +7925,7 @@
                 <a:latin typeface="Times New Roman" panose="02020603050405020304" pitchFamily="18" charset="0"/>
                 <a:cs typeface="Times New Roman" panose="02020603050405020304" pitchFamily="18" charset="0"/>
               </a:rPr>
-              <a:t>Department of Electrotechnical Engineering</a:t>
+              <a:t>Department of Electromechanical Engineering</a:t>
             </a:r>
             <a:endParaRPr lang="ar-LY" dirty="0">
               <a:latin typeface="Times New Roman" panose="02020603050405020304" pitchFamily="18" charset="0"/>
@@ -8577,7 +8577,7 @@
           <a:p>
             <a:r>
               <a:rPr lang="en-US" dirty="0"/>
-              <a:t>The Rating of Solar PV System =1000W during 4729hours.</a:t>
+              <a:t>The Rating of Solar PV System =1000W during an entire year = 8760 hours.</a:t>
             </a:r>
           </a:p>
         </p:txBody>
@@ -8597,7 +8597,7 @@
           <p:nvPr>
             <p:extLst>
               <p:ext uri="{D42A27DB-BD31-4B8C-83A1-F6EECF244321}">
-                <p14:modId xmlns:p14="http://schemas.microsoft.com/office/powerpoint/2010/main" val="3108696773"/>
+                <p14:modId xmlns:p14="http://schemas.microsoft.com/office/powerpoint/2010/main" val="1877228134"/>
               </p:ext>
             </p:extLst>
           </p:nvPr>
@@ -8780,10 +8780,9 @@
                     <a:bodyPr/>
                     <a:lstStyle/>
                     <a:p>
-                      <a:pPr algn="ctr"/>
                       <a:r>
                         <a:rPr lang="en-US" dirty="0"/>
-                        <a:t>0.433830</a:t>
+                        <a:t>0.234199</a:t>
                       </a:r>
                     </a:p>
                   </a:txBody>
@@ -8794,10 +8793,9 @@
                     <a:bodyPr/>
                     <a:lstStyle/>
                     <a:p>
-                      <a:pPr algn="ctr"/>
                       <a:r>
                         <a:rPr lang="en-US"/>
-                        <a:t>0.538279</a:t>
+                        <a:t>0.290585</a:t>
                       </a:r>
                     </a:p>
                   </a:txBody>
@@ -8808,10 +8806,9 @@
                     <a:bodyPr/>
                     <a:lstStyle/>
                     <a:p>
-                      <a:pPr algn="ctr"/>
                       <a:r>
-                        <a:rPr lang="en-US" dirty="0"/>
-                        <a:t>0.499001</a:t>
+                        <a:rPr lang="en-US"/>
+                        <a:t>0.269381</a:t>
                       </a:r>
                     </a:p>
                   </a:txBody>
@@ -8822,10 +8819,9 @@
                     <a:bodyPr/>
                     <a:lstStyle/>
                     <a:p>
-                      <a:pPr algn="ctr"/>
                       <a:r>
                         <a:rPr lang="en-US"/>
-                        <a:t>0.473013</a:t>
+                        <a:t>0.255352</a:t>
                       </a:r>
                     </a:p>
                   </a:txBody>
@@ -8836,10 +8832,9 @@
                     <a:bodyPr/>
                     <a:lstStyle/>
                     <a:p>
-                      <a:pPr algn="ctr"/>
                       <a:r>
                         <a:rPr lang="en-US"/>
-                        <a:t>0.480438</a:t>
+                        <a:t>0.259360</a:t>
                       </a:r>
                     </a:p>
                   </a:txBody>
@@ -8850,10 +8845,9 @@
                     <a:bodyPr/>
                     <a:lstStyle/>
                     <a:p>
-                      <a:pPr algn="ctr"/>
                       <a:r>
-                        <a:rPr lang="en-US" dirty="0"/>
-                        <a:t>0.410475</a:t>
+                        <a:rPr lang="en-US"/>
+                        <a:t>0.221591</a:t>
                       </a:r>
                     </a:p>
                   </a:txBody>
@@ -8884,10 +8878,9 @@
                     <a:bodyPr/>
                     <a:lstStyle/>
                     <a:p>
-                      <a:pPr algn="ctr"/>
                       <a:r>
-                        <a:rPr lang="en-US" dirty="0"/>
-                        <a:t>0.447654</a:t>
+                        <a:rPr lang="en-US"/>
+                        <a:t>0.241662</a:t>
                       </a:r>
                     </a:p>
                   </a:txBody>
@@ -8898,10 +8891,9 @@
                     <a:bodyPr/>
                     <a:lstStyle/>
                     <a:p>
-                      <a:pPr algn="ctr"/>
                       <a:r>
                         <a:rPr lang="en-US"/>
-                        <a:t>0.554033</a:t>
+                        <a:t>0.299089</a:t>
                       </a:r>
                     </a:p>
                   </a:txBody>
@@ -8912,10 +8904,9 @@
                     <a:bodyPr/>
                     <a:lstStyle/>
                     <a:p>
-                      <a:pPr algn="ctr"/>
                       <a:r>
-                        <a:rPr lang="en-US" dirty="0"/>
-                        <a:t>0.512897</a:t>
+                        <a:rPr lang="en-US"/>
+                        <a:t>0.276883</a:t>
                       </a:r>
                     </a:p>
                   </a:txBody>
@@ -8926,10 +8917,9 @@
                     <a:bodyPr/>
                     <a:lstStyle/>
                     <a:p>
-                      <a:pPr algn="ctr"/>
                       <a:r>
-                        <a:rPr lang="en-US" dirty="0"/>
-                        <a:t>0.484679</a:t>
+                        <a:rPr lang="en-US"/>
+                        <a:t>0.261649</a:t>
                       </a:r>
                     </a:p>
                   </a:txBody>
@@ -8940,10 +8930,9 @@
                     <a:bodyPr/>
                     <a:lstStyle/>
                     <a:p>
-                      <a:pPr algn="ctr"/>
                       <a:r>
                         <a:rPr lang="en-US"/>
-                        <a:t>0.491524</a:t>
+                        <a:t>0.265344</a:t>
                       </a:r>
                     </a:p>
                   </a:txBody>
@@ -8954,10 +8943,9 @@
                     <a:bodyPr/>
                     <a:lstStyle/>
                     <a:p>
-                      <a:pPr algn="ctr"/>
                       <a:r>
-                        <a:rPr lang="en-US" dirty="0"/>
-                        <a:t>0.420456</a:t>
+                        <a:rPr lang="en-US"/>
+                        <a:t>0.226979</a:t>
                       </a:r>
                     </a:p>
                   </a:txBody>
@@ -8988,10 +8976,9 @@
                     <a:bodyPr/>
                     <a:lstStyle/>
                     <a:p>
-                      <a:pPr algn="ctr"/>
                       <a:r>
                         <a:rPr lang="en-US"/>
-                        <a:t>0.450760</a:t>
+                        <a:t>0.243338</a:t>
                       </a:r>
                     </a:p>
                   </a:txBody>
@@ -9002,10 +8989,9 @@
                     <a:bodyPr/>
                     <a:lstStyle/>
                     <a:p>
-                      <a:pPr algn="ctr"/>
                       <a:r>
-                        <a:rPr lang="en-US" dirty="0"/>
-                        <a:t>0.555556</a:t>
+                        <a:rPr lang="en-US"/>
+                        <a:t>0.299912</a:t>
                       </a:r>
                     </a:p>
                   </a:txBody>
@@ -9016,10 +9002,9 @@
                     <a:bodyPr/>
                     <a:lstStyle/>
                     <a:p>
-                      <a:pPr algn="ctr"/>
                       <a:r>
-                        <a:rPr lang="en-US" dirty="0"/>
-                        <a:t>0.515920</a:t>
+                        <a:rPr lang="en-US"/>
+                        <a:t>0.278514</a:t>
                       </a:r>
                     </a:p>
                   </a:txBody>
@@ -9030,10 +9015,9 @@
                     <a:bodyPr/>
                     <a:lstStyle/>
                     <a:p>
-                      <a:pPr algn="ctr"/>
                       <a:r>
-                        <a:rPr lang="en-US" dirty="0"/>
-                        <a:t>0.486032</a:t>
+                        <a:rPr lang="en-US"/>
+                        <a:t>0.262380</a:t>
                       </a:r>
                     </a:p>
                   </a:txBody>
@@ -9044,10 +9028,9 @@
                     <a:bodyPr/>
                     <a:lstStyle/>
                     <a:p>
-                      <a:pPr algn="ctr"/>
                       <a:r>
                         <a:rPr lang="en-US"/>
-                        <a:t>0.490356</a:t>
+                        <a:t>0.264714</a:t>
                       </a:r>
                     </a:p>
                   </a:txBody>
@@ -9058,10 +9041,9 @@
                     <a:bodyPr/>
                     <a:lstStyle/>
                     <a:p>
-                      <a:pPr algn="ctr"/>
                       <a:r>
-                        <a:rPr lang="en-US" dirty="0"/>
-                        <a:t>0.423268</a:t>
+                        <a:rPr lang="en-US"/>
+                        <a:t>0.228497</a:t>
                       </a:r>
                     </a:p>
                   </a:txBody>
@@ -9092,10 +9074,9 @@
                     <a:bodyPr/>
                     <a:lstStyle/>
                     <a:p>
-                      <a:pPr algn="ctr"/>
                       <a:r>
                         <a:rPr lang="en-US"/>
-                        <a:t>0.432640</a:t>
+                        <a:t>0.233556</a:t>
                       </a:r>
                     </a:p>
                   </a:txBody>
@@ -9106,10 +9087,9 @@
                     <a:bodyPr/>
                     <a:lstStyle/>
                     <a:p>
-                      <a:pPr algn="ctr"/>
                       <a:r>
-                        <a:rPr lang="en-US"/>
-                        <a:t>0.535881</a:t>
+                        <a:rPr lang="en-US" dirty="0"/>
+                        <a:t>0.289290</a:t>
                       </a:r>
                     </a:p>
                   </a:txBody>
@@ -9120,10 +9100,9 @@
                     <a:bodyPr/>
                     <a:lstStyle/>
                     <a:p>
-                      <a:pPr algn="ctr"/>
                       <a:r>
                         <a:rPr lang="en-US"/>
-                        <a:t>0.498632</a:t>
+                        <a:t>0.269182</a:t>
                       </a:r>
                     </a:p>
                   </a:txBody>
@@ -9134,10 +9113,9 @@
                     <a:bodyPr/>
                     <a:lstStyle/>
                     <a:p>
-                      <a:pPr algn="ctr"/>
                       <a:r>
-                        <a:rPr lang="en-US" dirty="0"/>
-                        <a:t>0.470497</a:t>
+                        <a:rPr lang="en-US"/>
+                        <a:t>0.253993</a:t>
                       </a:r>
                     </a:p>
                   </a:txBody>
@@ -9148,10 +9126,9 @@
                     <a:bodyPr/>
                     <a:lstStyle/>
                     <a:p>
-                      <a:pPr algn="ctr"/>
                       <a:r>
-                        <a:rPr lang="en-US" dirty="0"/>
-                        <a:t>0.475489</a:t>
+                        <a:rPr lang="en-US"/>
+                        <a:t>0.256688</a:t>
                       </a:r>
                     </a:p>
                   </a:txBody>
@@ -9162,10 +9139,9 @@
                     <a:bodyPr/>
                     <a:lstStyle/>
                     <a:p>
-                      <a:pPr algn="ctr"/>
                       <a:r>
-                        <a:rPr lang="en-US" dirty="0"/>
-                        <a:t>0.408298</a:t>
+                        <a:rPr lang="en-US"/>
+                        <a:t>0.220415</a:t>
                       </a:r>
                     </a:p>
                   </a:txBody>
@@ -9197,10 +9173,9 @@
                     <a:bodyPr/>
                     <a:lstStyle/>
                     <a:p>
-                      <a:pPr algn="ctr"/>
                       <a:r>
                         <a:rPr lang="en-US"/>
-                        <a:t>0.422890</a:t>
+                        <a:t>0.228293</a:t>
                       </a:r>
                     </a:p>
                   </a:txBody>
@@ -9211,10 +9186,9 @@
                     <a:bodyPr/>
                     <a:lstStyle/>
                     <a:p>
-                      <a:pPr algn="ctr"/>
                       <a:r>
                         <a:rPr lang="en-US"/>
-                        <a:t>0.522464</a:t>
+                        <a:t>0.282047</a:t>
                       </a:r>
                     </a:p>
                   </a:txBody>
@@ -9225,10 +9199,9 @@
                     <a:bodyPr/>
                     <a:lstStyle/>
                     <a:p>
-                      <a:pPr algn="ctr"/>
                       <a:r>
                         <a:rPr lang="en-US"/>
-                        <a:t>0.492705</a:t>
+                        <a:t>0.265982</a:t>
                       </a:r>
                     </a:p>
                   </a:txBody>
@@ -9239,10 +9212,9 @@
                     <a:bodyPr/>
                     <a:lstStyle/>
                     <a:p>
-                      <a:pPr algn="ctr"/>
                       <a:r>
-                        <a:rPr lang="en-US" dirty="0"/>
-                        <a:t>0.462791</a:t>
+                        <a:rPr lang="en-US"/>
+                        <a:t>0.249833</a:t>
                       </a:r>
                     </a:p>
                   </a:txBody>
@@ -9253,10 +9225,9 @@
                     <a:bodyPr/>
                     <a:lstStyle/>
                     <a:p>
-                      <a:pPr algn="ctr"/>
                       <a:r>
-                        <a:rPr lang="en-US" dirty="0"/>
-                        <a:t>0.446249</a:t>
+                        <a:rPr lang="en-US"/>
+                        <a:t>0.240903</a:t>
                       </a:r>
                     </a:p>
                   </a:txBody>
@@ -9267,10 +9238,9 @@
                     <a:bodyPr/>
                     <a:lstStyle/>
                     <a:p>
-                      <a:pPr algn="ctr"/>
                       <a:r>
-                        <a:rPr lang="en-US" dirty="0"/>
-                        <a:t>0.390651</a:t>
+                        <a:rPr lang="en-US"/>
+                        <a:t>0.210889</a:t>
                       </a:r>
                     </a:p>
                   </a:txBody>
@@ -9302,10 +9272,9 @@
                     <a:bodyPr/>
                     <a:lstStyle/>
                     <a:p>
-                      <a:pPr algn="ctr"/>
                       <a:r>
                         <a:rPr lang="en-US"/>
-                        <a:t>0.483285</a:t>
+                        <a:t>0.260896</a:t>
                       </a:r>
                     </a:p>
                   </a:txBody>
@@ -9316,10 +9285,9 @@
                     <a:bodyPr/>
                     <a:lstStyle/>
                     <a:p>
-                      <a:pPr algn="ctr"/>
                       <a:r>
-                        <a:rPr lang="en-US" dirty="0"/>
-                        <a:t>0.593843</a:t>
+                        <a:rPr lang="en-US"/>
+                        <a:t>0.320580</a:t>
                       </a:r>
                     </a:p>
                   </a:txBody>
@@ -9330,10 +9298,9 @@
                     <a:bodyPr/>
                     <a:lstStyle/>
                     <a:p>
-                      <a:pPr algn="ctr"/>
                       <a:r>
                         <a:rPr lang="en-US"/>
-                        <a:t>0.545671</a:t>
+                        <a:t>0.294575</a:t>
                       </a:r>
                     </a:p>
                   </a:txBody>
@@ -9344,10 +9311,9 @@
                     <a:bodyPr/>
                     <a:lstStyle/>
                     <a:p>
-                      <a:pPr algn="ctr"/>
                       <a:r>
                         <a:rPr lang="en-US"/>
-                        <a:t>0.511832</a:t>
+                        <a:t>0.276308</a:t>
                       </a:r>
                     </a:p>
                   </a:txBody>
@@ -9358,10 +9324,9 @@
                     <a:bodyPr/>
                     <a:lstStyle/>
                     <a:p>
-                      <a:pPr algn="ctr"/>
                       <a:r>
-                        <a:rPr lang="en-US" dirty="0"/>
-                        <a:t>0.538249</a:t>
+                        <a:rPr lang="en-US"/>
+                        <a:t>0.290568</a:t>
                       </a:r>
                     </a:p>
                   </a:txBody>
@@ -9372,10 +9337,9 @@
                     <a:bodyPr/>
                     <a:lstStyle/>
                     <a:p>
-                      <a:pPr algn="ctr"/>
                       <a:r>
-                        <a:rPr lang="en-US" dirty="0"/>
-                        <a:t>0.464438</a:t>
+                        <a:rPr lang="en-US"/>
+                        <a:t>0.250722</a:t>
                       </a:r>
                     </a:p>
                   </a:txBody>
@@ -9407,10 +9371,9 @@
                     <a:bodyPr/>
                     <a:lstStyle/>
                     <a:p>
-                      <a:pPr algn="ctr"/>
                       <a:r>
                         <a:rPr lang="en-US"/>
-                        <a:t>0.481450</a:t>
+                        <a:t>0.259906</a:t>
                       </a:r>
                     </a:p>
                   </a:txBody>
@@ -9421,10 +9384,9 @@
                     <a:bodyPr/>
                     <a:lstStyle/>
                     <a:p>
-                      <a:pPr algn="ctr"/>
                       <a:r>
-                        <a:rPr lang="en-US" dirty="0"/>
-                        <a:t>0.602020</a:t>
+                        <a:rPr lang="en-US"/>
+                        <a:t>0.324995</a:t>
                       </a:r>
                     </a:p>
                   </a:txBody>
@@ -9435,10 +9397,9 @@
                     <a:bodyPr/>
                     <a:lstStyle/>
                     <a:p>
-                      <a:pPr algn="ctr"/>
                       <a:r>
                         <a:rPr lang="en-US"/>
-                        <a:t>0.547774</a:t>
+                        <a:t>0.295710</a:t>
                       </a:r>
                     </a:p>
                   </a:txBody>
@@ -9449,10 +9410,9 @@
                     <a:bodyPr/>
                     <a:lstStyle/>
                     <a:p>
-                      <a:pPr algn="ctr"/>
                       <a:r>
                         <a:rPr lang="en-US"/>
-                        <a:t>0.518446</a:t>
+                        <a:t>0.279878</a:t>
                       </a:r>
                     </a:p>
                   </a:txBody>
@@ -9463,10 +9423,9 @@
                     <a:bodyPr/>
                     <a:lstStyle/>
                     <a:p>
-                      <a:pPr algn="ctr"/>
                       <a:r>
-                        <a:rPr lang="en-US" dirty="0"/>
-                        <a:t>0.552813</a:t>
+                        <a:rPr lang="en-US"/>
+                        <a:t>0.298431</a:t>
                       </a:r>
                     </a:p>
                   </a:txBody>
@@ -9477,10 +9436,9 @@
                     <a:bodyPr/>
                     <a:lstStyle/>
                     <a:p>
-                      <a:pPr algn="ctr"/>
                       <a:r>
-                        <a:rPr lang="en-US" dirty="0"/>
-                        <a:t>0.472614</a:t>
+                        <a:rPr lang="en-US"/>
+                        <a:t>0.255136</a:t>
                       </a:r>
                     </a:p>
                   </a:txBody>
@@ -9511,10 +9469,9 @@
                     <a:bodyPr/>
                     <a:lstStyle/>
                     <a:p>
-                      <a:pPr algn="ctr"/>
                       <a:r>
                         <a:rPr lang="en-US"/>
-                        <a:t>0.487043</a:t>
+                        <a:t>0.262925</a:t>
                       </a:r>
                     </a:p>
                   </a:txBody>
@@ -9525,10 +9482,9 @@
                     <a:bodyPr/>
                     <a:lstStyle/>
                     <a:p>
-                      <a:pPr algn="ctr"/>
                       <a:r>
                         <a:rPr lang="en-US"/>
-                        <a:t>0.606654</a:t>
+                        <a:t>0.327496</a:t>
                       </a:r>
                     </a:p>
                   </a:txBody>
@@ -9539,10 +9495,9 @@
                     <a:bodyPr/>
                     <a:lstStyle/>
                     <a:p>
-                      <a:pPr algn="ctr"/>
                       <a:r>
                         <a:rPr lang="en-US"/>
-                        <a:t>0.553102</a:t>
+                        <a:t>0.298587</a:t>
                       </a:r>
                     </a:p>
                   </a:txBody>
@@ -9553,10 +9508,9 @@
                     <a:bodyPr/>
                     <a:lstStyle/>
                     <a:p>
-                      <a:pPr algn="ctr"/>
                       <a:r>
                         <a:rPr lang="en-US"/>
-                        <a:t>0.522807</a:t>
+                        <a:t>0.282232</a:t>
                       </a:r>
                     </a:p>
                   </a:txBody>
@@ -9567,10 +9521,9 @@
                     <a:bodyPr/>
                     <a:lstStyle/>
                     <a:p>
-                      <a:pPr algn="ctr"/>
                       <a:r>
-                        <a:rPr lang="en-US" dirty="0"/>
-                        <a:t>0.551281</a:t>
+                        <a:rPr lang="en-US"/>
+                        <a:t>0.297604</a:t>
                       </a:r>
                     </a:p>
                   </a:txBody>
@@ -9581,10 +9534,9 @@
                     <a:bodyPr/>
                     <a:lstStyle/>
                     <a:p>
-                      <a:pPr algn="ctr"/>
                       <a:r>
-                        <a:rPr lang="en-US" dirty="0"/>
-                        <a:t>0.479424</a:t>
+                        <a:rPr lang="en-US"/>
+                        <a:t>0.258812</a:t>
                       </a:r>
                     </a:p>
                   </a:txBody>
@@ -9615,10 +9567,9 @@
                     <a:bodyPr/>
                     <a:lstStyle/>
                     <a:p>
-                      <a:pPr algn="ctr"/>
                       <a:r>
                         <a:rPr lang="en-US"/>
-                        <a:t>0.517995</a:t>
+                        <a:t>0.279635</a:t>
                       </a:r>
                     </a:p>
                   </a:txBody>
@@ -9629,10 +9580,9 @@
                     <a:bodyPr/>
                     <a:lstStyle/>
                     <a:p>
-                      <a:pPr algn="ctr"/>
                       <a:r>
                         <a:rPr lang="en-US"/>
-                        <a:t>0.648138</a:t>
+                        <a:t>0.349891</a:t>
                       </a:r>
                     </a:p>
                   </a:txBody>
@@ -9643,10 +9593,9 @@
                     <a:bodyPr/>
                     <a:lstStyle/>
                     <a:p>
-                      <a:pPr algn="ctr"/>
                       <a:r>
-                        <a:rPr lang="en-US" dirty="0"/>
-                        <a:t>0.587502</a:t>
+                        <a:rPr lang="en-US"/>
+                        <a:t>0.317157</a:t>
                       </a:r>
                     </a:p>
                   </a:txBody>
@@ -9657,10 +9606,9 @@
                     <a:bodyPr/>
                     <a:lstStyle/>
                     <a:p>
-                      <a:pPr algn="ctr"/>
                       <a:r>
-                        <a:rPr lang="en-US"/>
-                        <a:t>0.552255</a:t>
+                        <a:rPr lang="en-US" dirty="0"/>
+                        <a:t>0.298130</a:t>
                       </a:r>
                     </a:p>
                   </a:txBody>
@@ -9671,10 +9619,9 @@
                     <a:bodyPr/>
                     <a:lstStyle/>
                     <a:p>
-                      <a:pPr algn="ctr"/>
                       <a:r>
-                        <a:rPr lang="en-US" dirty="0"/>
-                        <a:t>0.585554</a:t>
+                        <a:rPr lang="en-US"/>
+                        <a:t>0.316106</a:t>
                       </a:r>
                     </a:p>
                   </a:txBody>
@@ -9685,10 +9632,9 @@
                     <a:bodyPr/>
                     <a:lstStyle/>
                     <a:p>
-                      <a:pPr algn="ctr"/>
                       <a:r>
-                        <a:rPr lang="en-US" dirty="0"/>
-                        <a:t>0.516174</a:t>
+                        <a:rPr lang="en-US"/>
+                        <a:t>0.278651</a:t>
                       </a:r>
                     </a:p>
                   </a:txBody>
@@ -9719,10 +9665,9 @@
                     <a:bodyPr/>
                     <a:lstStyle/>
                     <a:p>
-                      <a:pPr algn="ctr"/>
                       <a:r>
                         <a:rPr lang="en-US"/>
-                        <a:t>0.232882</a:t>
+                        <a:t>0.125719</a:t>
                       </a:r>
                     </a:p>
                   </a:txBody>
@@ -9733,10 +9678,9 @@
                     <a:bodyPr/>
                     <a:lstStyle/>
                     <a:p>
-                      <a:pPr algn="ctr"/>
                       <a:r>
                         <a:rPr lang="en-US"/>
-                        <a:t>0.284139</a:t>
+                        <a:t>0.153390</a:t>
                       </a:r>
                     </a:p>
                   </a:txBody>
@@ -9747,10 +9691,9 @@
                     <a:bodyPr/>
                     <a:lstStyle/>
                     <a:p>
-                      <a:pPr algn="ctr"/>
                       <a:r>
-                        <a:rPr lang="en-US" dirty="0"/>
-                        <a:t>0.277328</a:t>
+                        <a:rPr lang="en-US"/>
+                        <a:t>0.149713</a:t>
                       </a:r>
                     </a:p>
                   </a:txBody>
@@ -9761,10 +9704,9 @@
                     <a:bodyPr/>
                     <a:lstStyle/>
                     <a:p>
-                      <a:pPr algn="ctr"/>
                       <a:r>
                         <a:rPr lang="en-US"/>
-                        <a:t>0.264893</a:t>
+                        <a:t>0.143000</a:t>
                       </a:r>
                     </a:p>
                   </a:txBody>
@@ -9775,10 +9717,9 @@
                     <a:bodyPr/>
                     <a:lstStyle/>
                     <a:p>
-                      <a:pPr algn="ctr"/>
                       <a:r>
                         <a:rPr lang="en-US" dirty="0"/>
-                        <a:t>0.223141</a:t>
+                        <a:t>0.120461</a:t>
                       </a:r>
                     </a:p>
                   </a:txBody>
@@ -9789,11 +9730,11 @@
                     <a:bodyPr/>
                     <a:lstStyle/>
                     <a:p>
-                      <a:pPr algn="ctr"/>
                       <a:r>
-                        <a:rPr lang="en-US" dirty="0"/>
-                        <a:t>0.174912</a:t>
+                        <a:rPr lang="en-US"/>
+                        <a:t>0.094420</a:t>
                       </a:r>
+                      <a:endParaRPr lang="en-US" dirty="0"/>
                     </a:p>
                   </a:txBody>
                   <a:tcPr anchor="ctr"/>
@@ -9938,17 +9879,17 @@
           <a:p>
             <a:r>
               <a:rPr lang="en-US" dirty="0"/>
-              <a:t>The Rating of Solar PV System =1000W during 4729hours.</a:t>
+              <a:t>The Rating of Solar PV System =1000W during an entire year = 8760 hours.</a:t>
             </a:r>
           </a:p>
         </p:txBody>
       </p:sp>
       <p:pic>
         <p:nvPicPr>
-          <p:cNvPr id="10242" name="Picture 2">
+          <p:cNvPr id="2052" name="Picture 4">
             <a:extLst>
               <a:ext uri="{FF2B5EF4-FFF2-40B4-BE49-F238E27FC236}">
-                <a16:creationId xmlns:a16="http://schemas.microsoft.com/office/drawing/2014/main" id="{BD5B2A85-3EC6-4738-B85E-86294FF1D2B4}"/>
+                <a16:creationId xmlns:a16="http://schemas.microsoft.com/office/drawing/2014/main" id="{7889C190-03D7-44CE-911B-960C342C0A88}"/>
               </a:ext>
             </a:extLst>
           </p:cNvPr>
@@ -9972,8 +9913,8 @@
         </p:blipFill>
         <p:spPr bwMode="auto">
           <a:xfrm>
-            <a:off x="0" y="2016608"/>
-            <a:ext cx="9144000" cy="4051300"/>
+            <a:off x="14284" y="2020879"/>
+            <a:ext cx="9144000" cy="4016375"/>
           </a:xfrm>
           <a:prstGeom prst="rect">
             <a:avLst/>
@@ -10128,17 +10069,17 @@
           <a:p>
             <a:r>
               <a:rPr lang="en-US" dirty="0"/>
-              <a:t>The Rating of Solar PV System =1000W during 4729hours.</a:t>
+              <a:t>The Rating of Solar PV System =1000W during an entire year = 8760 hours.</a:t>
             </a:r>
           </a:p>
         </p:txBody>
       </p:sp>
       <p:pic>
         <p:nvPicPr>
-          <p:cNvPr id="11266" name="Picture 2">
+          <p:cNvPr id="3074" name="Picture 2">
             <a:extLst>
               <a:ext uri="{FF2B5EF4-FFF2-40B4-BE49-F238E27FC236}">
-                <a16:creationId xmlns:a16="http://schemas.microsoft.com/office/drawing/2014/main" id="{9DFFAD85-AEA0-4189-B4B3-FBF2D4581AB5}"/>
+                <a16:creationId xmlns:a16="http://schemas.microsoft.com/office/drawing/2014/main" id="{16E635B3-012C-414B-912E-FB669EE441A5}"/>
               </a:ext>
             </a:extLst>
           </p:cNvPr>
@@ -10162,8 +10103,8 @@
         </p:blipFill>
         <p:spPr bwMode="auto">
           <a:xfrm>
-            <a:off x="23330" y="2072626"/>
-            <a:ext cx="9144000" cy="4756150"/>
+            <a:off x="19053" y="1957388"/>
+            <a:ext cx="9144000" cy="4705350"/>
           </a:xfrm>
           <a:prstGeom prst="rect">
             <a:avLst/>
@@ -12229,10 +12170,10 @@
       </p:sp>
       <p:pic>
         <p:nvPicPr>
-          <p:cNvPr id="21506" name="Picture 2">
+          <p:cNvPr id="4098" name="Picture 2">
             <a:extLst>
               <a:ext uri="{FF2B5EF4-FFF2-40B4-BE49-F238E27FC236}">
-                <a16:creationId xmlns:a16="http://schemas.microsoft.com/office/drawing/2014/main" id="{A6F20CAF-8583-4B0B-9BB5-7B3DBE244895}"/>
+                <a16:creationId xmlns:a16="http://schemas.microsoft.com/office/drawing/2014/main" id="{7E33F6EF-01D7-4204-8B52-45C444FCF634}"/>
               </a:ext>
             </a:extLst>
           </p:cNvPr>
@@ -12256,8 +12197,8 @@
         </p:blipFill>
         <p:spPr bwMode="auto">
           <a:xfrm>
-            <a:off x="0" y="1674586"/>
-            <a:ext cx="9144000" cy="4749800"/>
+            <a:off x="-19046" y="1568063"/>
+            <a:ext cx="9144000" cy="4702175"/>
           </a:xfrm>
           <a:prstGeom prst="rect">
             <a:avLst/>
@@ -12471,7 +12412,7 @@
             </a:r>
             <a:r>
               <a:rPr lang="en-US" b="1" dirty="0"/>
-              <a:t>0.462</a:t>
+              <a:t>0.249</a:t>
             </a:r>
           </a:p>
         </p:txBody>
@@ -12546,7 +12487,7 @@
           <a:p>
             <a:r>
               <a:rPr lang="en-US" dirty="0"/>
-              <a:t>While Average Net Capacity Factor based on GHI=0.439</a:t>
+              <a:t>While Average Net Capacity Factor based on GHI=0.237</a:t>
             </a:r>
           </a:p>
         </p:txBody>
@@ -12581,7 +12522,7 @@
           <a:p>
             <a:r>
               <a:rPr lang="en-US" dirty="0"/>
-              <a:t>And Max Net Capacity Factor based on GHI=0.518 @ Kufra location </a:t>
+              <a:t>And Max Net Capacity Factor based on GHI=0.279 @ Kufra location </a:t>
             </a:r>
           </a:p>
         </p:txBody>
@@ -12616,11 +12557,11 @@
           <a:p>
             <a:r>
               <a:rPr lang="en-US" dirty="0"/>
-              <a:t>Net Capacity Factor based on GHI for All Aggregated Locations=</a:t>
+              <a:t>Net Capacity Factor based on DNI for All Aggregated Locations=</a:t>
             </a:r>
             <a:r>
               <a:rPr lang="en-US" b="1" dirty="0"/>
-              <a:t>0.498</a:t>
+              <a:t>0.269</a:t>
             </a:r>
           </a:p>
         </p:txBody>
@@ -12655,7 +12596,7 @@
           <a:p>
             <a:r>
               <a:rPr lang="en-US" dirty="0"/>
-              <a:t>While Average Net Capacity Factor based on GHI=0.484</a:t>
+              <a:t>While Average Net Capacity Factor based on DNI=0.261</a:t>
             </a:r>
           </a:p>
         </p:txBody>
@@ -12690,7 +12631,7 @@
           <a:p>
             <a:r>
               <a:rPr lang="en-US" dirty="0"/>
-              <a:t>And Max Net Capacity Factor based on GHI=0.586 @ Kufra location </a:t>
+              <a:t>And Max Net Capacity Factor based on DNI=0.316 @ Kufra location </a:t>
             </a:r>
           </a:p>
         </p:txBody>
@@ -12876,7 +12817,7 @@
             </a:pPr>
             <a:r>
               <a:rPr lang="en-US" dirty="0"/>
-              <a:t>The average net capacity factor is about 0.5, and it can be considered high for solar power plants.</a:t>
+              <a:t>The average net capacity factor is about 0.30, and it can be considered high for solar power plants.</a:t>
             </a:r>
           </a:p>
           <a:p>

--- a/Solar_Energy_Analysis_for Some Locations in Libya.pptx
+++ b/Solar_Energy_Analysis_for Some Locations in Libya.pptx
@@ -4657,7 +4657,7 @@
           <a:p>
             <a:fld id="{CA543562-D6DA-4F27-BC22-6D6509F6FC14}" type="datetimeFigureOut">
               <a:rPr lang="en-US" smtClean="0"/>
-              <a:t>7/22/2021</a:t>
+              <a:t>9/9/2021</a:t>
             </a:fld>
             <a:endParaRPr lang="en-US"/>
           </a:p>
@@ -12843,7 +12843,7 @@
             </a:pPr>
             <a:r>
               <a:rPr lang="en-US" dirty="0"/>
-              <a:t>The aggregation of Coast, Sahara, and All locations leads to a reduction in the variability and slightly increasing the capacity factor.</a:t>
+              <a:t>The aggregation of Coast, Sahara, and All locations leads to a reduction in the variability and averaging the capacity factor.</a:t>
             </a:r>
           </a:p>
           <a:p>
